--- a/Espressif_IDE/espnow_example_struct.pptx
+++ b/Espressif_IDE/espnow_example_struct.pptx
@@ -6,6 +6,8 @@
   </p:sldMasterIdLst>
   <p:sldIdLst>
     <p:sldId id="256" r:id="rId2"/>
+    <p:sldId id="257" r:id="rId3"/>
+    <p:sldId id="258" r:id="rId4"/>
   </p:sldIdLst>
   <p:sldSz cx="12192000" cy="6858000"/>
   <p:notesSz cx="6858000" cy="9144000"/>
@@ -104,6 +106,11 @@
       </a:defRPr>
     </a:lvl9pPr>
   </p:defaultTextStyle>
+  <p:extLst>
+    <p:ext uri="{EFAFB233-063F-42B5-8137-9DF3F51BA10A}">
+      <p15:sldGuideLst xmlns:p15="http://schemas.microsoft.com/office/powerpoint/2012/main"/>
+    </p:ext>
+  </p:extLst>
 </p:presentation>
 </file>
 
@@ -256,7 +263,7 @@
           <a:p>
             <a:fld id="{DA586E68-9C89-44EC-B991-BB10A9F9704B}" type="datetimeFigureOut">
               <a:rPr lang="en-US" smtClean="0"/>
-              <a:t>7/4/2022</a:t>
+              <a:t>7/5/2022</a:t>
             </a:fld>
             <a:endParaRPr lang="en-US"/>
           </a:p>
@@ -456,7 +463,7 @@
           <a:p>
             <a:fld id="{DA586E68-9C89-44EC-B991-BB10A9F9704B}" type="datetimeFigureOut">
               <a:rPr lang="en-US" smtClean="0"/>
-              <a:t>7/4/2022</a:t>
+              <a:t>7/5/2022</a:t>
             </a:fld>
             <a:endParaRPr lang="en-US"/>
           </a:p>
@@ -666,7 +673,7 @@
           <a:p>
             <a:fld id="{DA586E68-9C89-44EC-B991-BB10A9F9704B}" type="datetimeFigureOut">
               <a:rPr lang="en-US" smtClean="0"/>
-              <a:t>7/4/2022</a:t>
+              <a:t>7/5/2022</a:t>
             </a:fld>
             <a:endParaRPr lang="en-US"/>
           </a:p>
@@ -866,7 +873,7 @@
           <a:p>
             <a:fld id="{DA586E68-9C89-44EC-B991-BB10A9F9704B}" type="datetimeFigureOut">
               <a:rPr lang="en-US" smtClean="0"/>
-              <a:t>7/4/2022</a:t>
+              <a:t>7/5/2022</a:t>
             </a:fld>
             <a:endParaRPr lang="en-US"/>
           </a:p>
@@ -1142,7 +1149,7 @@
           <a:p>
             <a:fld id="{DA586E68-9C89-44EC-B991-BB10A9F9704B}" type="datetimeFigureOut">
               <a:rPr lang="en-US" smtClean="0"/>
-              <a:t>7/4/2022</a:t>
+              <a:t>7/5/2022</a:t>
             </a:fld>
             <a:endParaRPr lang="en-US"/>
           </a:p>
@@ -1410,7 +1417,7 @@
           <a:p>
             <a:fld id="{DA586E68-9C89-44EC-B991-BB10A9F9704B}" type="datetimeFigureOut">
               <a:rPr lang="en-US" smtClean="0"/>
-              <a:t>7/4/2022</a:t>
+              <a:t>7/5/2022</a:t>
             </a:fld>
             <a:endParaRPr lang="en-US"/>
           </a:p>
@@ -1825,7 +1832,7 @@
           <a:p>
             <a:fld id="{DA586E68-9C89-44EC-B991-BB10A9F9704B}" type="datetimeFigureOut">
               <a:rPr lang="en-US" smtClean="0"/>
-              <a:t>7/4/2022</a:t>
+              <a:t>7/5/2022</a:t>
             </a:fld>
             <a:endParaRPr lang="en-US"/>
           </a:p>
@@ -1967,7 +1974,7 @@
           <a:p>
             <a:fld id="{DA586E68-9C89-44EC-B991-BB10A9F9704B}" type="datetimeFigureOut">
               <a:rPr lang="en-US" smtClean="0"/>
-              <a:t>7/4/2022</a:t>
+              <a:t>7/5/2022</a:t>
             </a:fld>
             <a:endParaRPr lang="en-US"/>
           </a:p>
@@ -2080,7 +2087,7 @@
           <a:p>
             <a:fld id="{DA586E68-9C89-44EC-B991-BB10A9F9704B}" type="datetimeFigureOut">
               <a:rPr lang="en-US" smtClean="0"/>
-              <a:t>7/4/2022</a:t>
+              <a:t>7/5/2022</a:t>
             </a:fld>
             <a:endParaRPr lang="en-US"/>
           </a:p>
@@ -2393,7 +2400,7 @@
           <a:p>
             <a:fld id="{DA586E68-9C89-44EC-B991-BB10A9F9704B}" type="datetimeFigureOut">
               <a:rPr lang="en-US" smtClean="0"/>
-              <a:t>7/4/2022</a:t>
+              <a:t>7/5/2022</a:t>
             </a:fld>
             <a:endParaRPr lang="en-US"/>
           </a:p>
@@ -2682,7 +2689,7 @@
           <a:p>
             <a:fld id="{DA586E68-9C89-44EC-B991-BB10A9F9704B}" type="datetimeFigureOut">
               <a:rPr lang="en-US" smtClean="0"/>
-              <a:t>7/4/2022</a:t>
+              <a:t>7/5/2022</a:t>
             </a:fld>
             <a:endParaRPr lang="en-US"/>
           </a:p>
@@ -2925,7 +2932,7 @@
           <a:p>
             <a:fld id="{DA586E68-9C89-44EC-B991-BB10A9F9704B}" type="datetimeFigureOut">
               <a:rPr lang="en-US" smtClean="0"/>
-              <a:t>7/4/2022</a:t>
+              <a:t>7/5/2022</a:t>
             </a:fld>
             <a:endParaRPr lang="en-US"/>
           </a:p>
@@ -4470,6 +4477,1995 @@
 </p:sld>
 </file>
 
+<file path=ppt/slides/slide2.xml><?xml version="1.0" encoding="utf-8"?>
+<p:sld xmlns:a="http://schemas.openxmlformats.org/drawingml/2006/main" xmlns:r="http://schemas.openxmlformats.org/officeDocument/2006/relationships" xmlns:p="http://schemas.openxmlformats.org/presentationml/2006/main">
+  <p:cSld>
+    <p:spTree>
+      <p:nvGrpSpPr>
+        <p:cNvPr id="1" name=""/>
+        <p:cNvGrpSpPr/>
+        <p:nvPr/>
+      </p:nvGrpSpPr>
+      <p:grpSpPr>
+        <a:xfrm>
+          <a:off x="0" y="0"/>
+          <a:ext cx="0" cy="0"/>
+          <a:chOff x="0" y="0"/>
+          <a:chExt cx="0" cy="0"/>
+        </a:xfrm>
+      </p:grpSpPr>
+      <p:sp>
+        <p:nvSpPr>
+          <p:cNvPr id="4" name="사각형: 둥근 모서리 3">
+            <a:extLst>
+              <a:ext uri="{FF2B5EF4-FFF2-40B4-BE49-F238E27FC236}">
+                <a16:creationId xmlns:a16="http://schemas.microsoft.com/office/drawing/2014/main" id="{57D7DF4A-22CA-260C-C23B-CECA251AF017}"/>
+              </a:ext>
+            </a:extLst>
+          </p:cNvPr>
+          <p:cNvSpPr/>
+          <p:nvPr/>
+        </p:nvSpPr>
+        <p:spPr>
+          <a:xfrm>
+            <a:off x="5983507" y="2440309"/>
+            <a:ext cx="1201595" cy="598359"/>
+          </a:xfrm>
+          <a:prstGeom prst="roundRect">
+            <a:avLst/>
+          </a:prstGeom>
+          <a:noFill/>
+          <a:ln w="38100"/>
+        </p:spPr>
+        <p:style>
+          <a:lnRef idx="2">
+            <a:schemeClr val="dk1"/>
+          </a:lnRef>
+          <a:fillRef idx="1">
+            <a:schemeClr val="lt1"/>
+          </a:fillRef>
+          <a:effectRef idx="0">
+            <a:schemeClr val="dk1"/>
+          </a:effectRef>
+          <a:fontRef idx="minor">
+            <a:schemeClr val="dk1"/>
+          </a:fontRef>
+        </p:style>
+        <p:txBody>
+          <a:bodyPr rtlCol="0" anchor="ctr"/>
+          <a:lstStyle/>
+          <a:p>
+            <a:pPr algn="ctr"/>
+            <a:r>
+              <a:rPr lang="en-US" dirty="0"/>
+              <a:t>mac_addr</a:t>
+            </a:r>
+          </a:p>
+        </p:txBody>
+      </p:sp>
+      <p:sp>
+        <p:nvSpPr>
+          <p:cNvPr id="5" name="사각형: 둥근 모서리 4">
+            <a:extLst>
+              <a:ext uri="{FF2B5EF4-FFF2-40B4-BE49-F238E27FC236}">
+                <a16:creationId xmlns:a16="http://schemas.microsoft.com/office/drawing/2014/main" id="{38CE9D6C-733E-F960-C013-FC4A23D2B31B}"/>
+              </a:ext>
+            </a:extLst>
+          </p:cNvPr>
+          <p:cNvSpPr/>
+          <p:nvPr/>
+        </p:nvSpPr>
+        <p:spPr>
+          <a:xfrm>
+            <a:off x="1749988" y="735917"/>
+            <a:ext cx="1562377" cy="598359"/>
+          </a:xfrm>
+          <a:prstGeom prst="roundRect">
+            <a:avLst/>
+          </a:prstGeom>
+          <a:noFill/>
+          <a:ln w="38100"/>
+        </p:spPr>
+        <p:style>
+          <a:lnRef idx="2">
+            <a:schemeClr val="dk1"/>
+          </a:lnRef>
+          <a:fillRef idx="1">
+            <a:schemeClr val="lt1"/>
+          </a:fillRef>
+          <a:effectRef idx="0">
+            <a:schemeClr val="dk1"/>
+          </a:effectRef>
+          <a:fontRef idx="minor">
+            <a:schemeClr val="dk1"/>
+          </a:fontRef>
+        </p:style>
+        <p:txBody>
+          <a:bodyPr rtlCol="0" anchor="ctr"/>
+          <a:lstStyle/>
+          <a:p>
+            <a:pPr algn="ctr"/>
+            <a:r>
+              <a:rPr lang="en-US" dirty="0"/>
+              <a:t>event_id_t</a:t>
+            </a:r>
+          </a:p>
+        </p:txBody>
+      </p:sp>
+      <p:sp>
+        <p:nvSpPr>
+          <p:cNvPr id="6" name="사각형: 둥근 모서리 5">
+            <a:extLst>
+              <a:ext uri="{FF2B5EF4-FFF2-40B4-BE49-F238E27FC236}">
+                <a16:creationId xmlns:a16="http://schemas.microsoft.com/office/drawing/2014/main" id="{63E490A9-1E1C-CA7E-A48E-D1C86CA93D1E}"/>
+              </a:ext>
+            </a:extLst>
+          </p:cNvPr>
+          <p:cNvSpPr/>
+          <p:nvPr/>
+        </p:nvSpPr>
+        <p:spPr>
+          <a:xfrm>
+            <a:off x="1749987" y="1569451"/>
+            <a:ext cx="1562379" cy="598359"/>
+          </a:xfrm>
+          <a:prstGeom prst="roundRect">
+            <a:avLst/>
+          </a:prstGeom>
+          <a:noFill/>
+          <a:ln w="38100"/>
+        </p:spPr>
+        <p:style>
+          <a:lnRef idx="2">
+            <a:schemeClr val="dk1"/>
+          </a:lnRef>
+          <a:fillRef idx="1">
+            <a:schemeClr val="lt1"/>
+          </a:fillRef>
+          <a:effectRef idx="0">
+            <a:schemeClr val="dk1"/>
+          </a:effectRef>
+          <a:fontRef idx="minor">
+            <a:schemeClr val="dk1"/>
+          </a:fontRef>
+        </p:style>
+        <p:txBody>
+          <a:bodyPr rtlCol="0" anchor="ctr"/>
+          <a:lstStyle/>
+          <a:p>
+            <a:pPr algn="ctr"/>
+            <a:r>
+              <a:rPr lang="en-US" dirty="0"/>
+              <a:t>event_info_t</a:t>
+            </a:r>
+          </a:p>
+        </p:txBody>
+      </p:sp>
+      <p:sp>
+        <p:nvSpPr>
+          <p:cNvPr id="7" name="사각형: 둥근 모서리 6">
+            <a:extLst>
+              <a:ext uri="{FF2B5EF4-FFF2-40B4-BE49-F238E27FC236}">
+                <a16:creationId xmlns:a16="http://schemas.microsoft.com/office/drawing/2014/main" id="{5B8312D4-0548-73C8-9D9E-E5C2B171A03E}"/>
+              </a:ext>
+            </a:extLst>
+          </p:cNvPr>
+          <p:cNvSpPr/>
+          <p:nvPr/>
+        </p:nvSpPr>
+        <p:spPr>
+          <a:xfrm>
+            <a:off x="3656545" y="1569451"/>
+            <a:ext cx="1951152" cy="598359"/>
+          </a:xfrm>
+          <a:prstGeom prst="roundRect">
+            <a:avLst/>
+          </a:prstGeom>
+          <a:noFill/>
+          <a:ln w="38100"/>
+        </p:spPr>
+        <p:style>
+          <a:lnRef idx="2">
+            <a:schemeClr val="dk1"/>
+          </a:lnRef>
+          <a:fillRef idx="1">
+            <a:schemeClr val="lt1"/>
+          </a:fillRef>
+          <a:effectRef idx="0">
+            <a:schemeClr val="dk1"/>
+          </a:effectRef>
+          <a:fontRef idx="minor">
+            <a:schemeClr val="dk1"/>
+          </a:fontRef>
+        </p:style>
+        <p:txBody>
+          <a:bodyPr rtlCol="0" anchor="ctr"/>
+          <a:lstStyle/>
+          <a:p>
+            <a:pPr algn="ctr"/>
+            <a:r>
+              <a:rPr lang="en-US" dirty="0"/>
+              <a:t>event_send_cb_t</a:t>
+            </a:r>
+          </a:p>
+        </p:txBody>
+      </p:sp>
+      <p:sp>
+        <p:nvSpPr>
+          <p:cNvPr id="8" name="사각형: 둥근 모서리 7">
+            <a:extLst>
+              <a:ext uri="{FF2B5EF4-FFF2-40B4-BE49-F238E27FC236}">
+                <a16:creationId xmlns:a16="http://schemas.microsoft.com/office/drawing/2014/main" id="{4C50A956-05F6-FEBB-8306-AA3BCD44897E}"/>
+              </a:ext>
+            </a:extLst>
+          </p:cNvPr>
+          <p:cNvSpPr/>
+          <p:nvPr/>
+        </p:nvSpPr>
+        <p:spPr>
+          <a:xfrm>
+            <a:off x="3656545" y="2440309"/>
+            <a:ext cx="1951152" cy="598359"/>
+          </a:xfrm>
+          <a:prstGeom prst="roundRect">
+            <a:avLst/>
+          </a:prstGeom>
+          <a:noFill/>
+          <a:ln w="38100"/>
+        </p:spPr>
+        <p:style>
+          <a:lnRef idx="2">
+            <a:schemeClr val="dk1"/>
+          </a:lnRef>
+          <a:fillRef idx="1">
+            <a:schemeClr val="lt1"/>
+          </a:fillRef>
+          <a:effectRef idx="0">
+            <a:schemeClr val="dk1"/>
+          </a:effectRef>
+          <a:fontRef idx="minor">
+            <a:schemeClr val="dk1"/>
+          </a:fontRef>
+        </p:style>
+        <p:txBody>
+          <a:bodyPr rtlCol="0" anchor="ctr"/>
+          <a:lstStyle/>
+          <a:p>
+            <a:pPr algn="ctr"/>
+            <a:r>
+              <a:rPr lang="en-US" dirty="0"/>
+              <a:t>event_recv_cb_t</a:t>
+            </a:r>
+          </a:p>
+        </p:txBody>
+      </p:sp>
+      <p:sp>
+        <p:nvSpPr>
+          <p:cNvPr id="9" name="사각형: 둥근 모서리 8">
+            <a:extLst>
+              <a:ext uri="{FF2B5EF4-FFF2-40B4-BE49-F238E27FC236}">
+                <a16:creationId xmlns:a16="http://schemas.microsoft.com/office/drawing/2014/main" id="{75026DC2-4238-F613-4BBA-B7FFB8454AE1}"/>
+              </a:ext>
+            </a:extLst>
+          </p:cNvPr>
+          <p:cNvSpPr/>
+          <p:nvPr/>
+        </p:nvSpPr>
+        <p:spPr>
+          <a:xfrm>
+            <a:off x="247761" y="735918"/>
+            <a:ext cx="1201595" cy="598359"/>
+          </a:xfrm>
+          <a:prstGeom prst="roundRect">
+            <a:avLst/>
+          </a:prstGeom>
+          <a:noFill/>
+          <a:ln w="38100"/>
+        </p:spPr>
+        <p:style>
+          <a:lnRef idx="2">
+            <a:schemeClr val="dk1"/>
+          </a:lnRef>
+          <a:fillRef idx="1">
+            <a:schemeClr val="lt1"/>
+          </a:fillRef>
+          <a:effectRef idx="0">
+            <a:schemeClr val="dk1"/>
+          </a:effectRef>
+          <a:fontRef idx="minor">
+            <a:schemeClr val="dk1"/>
+          </a:fontRef>
+        </p:style>
+        <p:txBody>
+          <a:bodyPr rtlCol="0" anchor="ctr"/>
+          <a:lstStyle/>
+          <a:p>
+            <a:pPr algn="ctr"/>
+            <a:r>
+              <a:rPr lang="en-US" dirty="0"/>
+              <a:t>event_t</a:t>
+            </a:r>
+          </a:p>
+        </p:txBody>
+      </p:sp>
+      <p:sp>
+        <p:nvSpPr>
+          <p:cNvPr id="10" name="사각형: 둥근 모서리 9">
+            <a:extLst>
+              <a:ext uri="{FF2B5EF4-FFF2-40B4-BE49-F238E27FC236}">
+                <a16:creationId xmlns:a16="http://schemas.microsoft.com/office/drawing/2014/main" id="{6D881B91-A693-C51E-0A34-50B78E0E0691}"/>
+              </a:ext>
+            </a:extLst>
+          </p:cNvPr>
+          <p:cNvSpPr/>
+          <p:nvPr/>
+        </p:nvSpPr>
+        <p:spPr>
+          <a:xfrm>
+            <a:off x="5983507" y="3245852"/>
+            <a:ext cx="1201595" cy="598359"/>
+          </a:xfrm>
+          <a:prstGeom prst="roundRect">
+            <a:avLst/>
+          </a:prstGeom>
+          <a:noFill/>
+          <a:ln w="38100">
+            <a:solidFill>
+              <a:srgbClr val="FF0000"/>
+            </a:solidFill>
+          </a:ln>
+        </p:spPr>
+        <p:style>
+          <a:lnRef idx="2">
+            <a:schemeClr val="dk1"/>
+          </a:lnRef>
+          <a:fillRef idx="1">
+            <a:schemeClr val="lt1"/>
+          </a:fillRef>
+          <a:effectRef idx="0">
+            <a:schemeClr val="dk1"/>
+          </a:effectRef>
+          <a:fontRef idx="minor">
+            <a:schemeClr val="dk1"/>
+          </a:fontRef>
+        </p:style>
+        <p:txBody>
+          <a:bodyPr rtlCol="0" anchor="ctr"/>
+          <a:lstStyle/>
+          <a:p>
+            <a:pPr algn="ctr"/>
+            <a:r>
+              <a:rPr lang="en-US" dirty="0"/>
+              <a:t>data</a:t>
+            </a:r>
+          </a:p>
+        </p:txBody>
+      </p:sp>
+      <p:sp>
+        <p:nvSpPr>
+          <p:cNvPr id="11" name="사각형: 둥근 모서리 10">
+            <a:extLst>
+              <a:ext uri="{FF2B5EF4-FFF2-40B4-BE49-F238E27FC236}">
+                <a16:creationId xmlns:a16="http://schemas.microsoft.com/office/drawing/2014/main" id="{98A525D1-E5D5-2BC5-6122-1577C31BC1FB}"/>
+              </a:ext>
+            </a:extLst>
+          </p:cNvPr>
+          <p:cNvSpPr/>
+          <p:nvPr/>
+        </p:nvSpPr>
+        <p:spPr>
+          <a:xfrm>
+            <a:off x="5955516" y="4051395"/>
+            <a:ext cx="1201595" cy="598359"/>
+          </a:xfrm>
+          <a:prstGeom prst="roundRect">
+            <a:avLst/>
+          </a:prstGeom>
+          <a:noFill/>
+          <a:ln w="38100"/>
+        </p:spPr>
+        <p:style>
+          <a:lnRef idx="2">
+            <a:schemeClr val="dk1"/>
+          </a:lnRef>
+          <a:fillRef idx="1">
+            <a:schemeClr val="lt1"/>
+          </a:fillRef>
+          <a:effectRef idx="0">
+            <a:schemeClr val="dk1"/>
+          </a:effectRef>
+          <a:fontRef idx="minor">
+            <a:schemeClr val="dk1"/>
+          </a:fontRef>
+        </p:style>
+        <p:txBody>
+          <a:bodyPr rtlCol="0" anchor="ctr"/>
+          <a:lstStyle/>
+          <a:p>
+            <a:pPr algn="ctr"/>
+            <a:r>
+              <a:rPr lang="en-US" dirty="0"/>
+              <a:t>data_len</a:t>
+            </a:r>
+          </a:p>
+        </p:txBody>
+      </p:sp>
+      <p:sp>
+        <p:nvSpPr>
+          <p:cNvPr id="12" name="사각형: 둥근 모서리 11">
+            <a:extLst>
+              <a:ext uri="{FF2B5EF4-FFF2-40B4-BE49-F238E27FC236}">
+                <a16:creationId xmlns:a16="http://schemas.microsoft.com/office/drawing/2014/main" id="{DE24B2E6-CB6D-BA39-1477-9D6F9DFB6B47}"/>
+              </a:ext>
+            </a:extLst>
+          </p:cNvPr>
+          <p:cNvSpPr/>
+          <p:nvPr/>
+        </p:nvSpPr>
+        <p:spPr>
+          <a:xfrm>
+            <a:off x="7934659" y="1840069"/>
+            <a:ext cx="1532803" cy="600240"/>
+          </a:xfrm>
+          <a:prstGeom prst="roundRect">
+            <a:avLst/>
+          </a:prstGeom>
+          <a:noFill/>
+          <a:ln w="38100">
+            <a:solidFill>
+              <a:srgbClr val="C00000"/>
+            </a:solidFill>
+          </a:ln>
+        </p:spPr>
+        <p:style>
+          <a:lnRef idx="2">
+            <a:schemeClr val="dk1"/>
+          </a:lnRef>
+          <a:fillRef idx="1">
+            <a:schemeClr val="lt1"/>
+          </a:fillRef>
+          <a:effectRef idx="0">
+            <a:schemeClr val="dk1"/>
+          </a:effectRef>
+          <a:fontRef idx="minor">
+            <a:schemeClr val="dk1"/>
+          </a:fontRef>
+        </p:style>
+        <p:txBody>
+          <a:bodyPr rtlCol="0" anchor="ctr"/>
+          <a:lstStyle/>
+          <a:p>
+            <a:pPr algn="ctr"/>
+            <a:r>
+              <a:rPr lang="en-US" dirty="0"/>
+              <a:t>type</a:t>
+            </a:r>
+          </a:p>
+        </p:txBody>
+      </p:sp>
+      <p:sp>
+        <p:nvSpPr>
+          <p:cNvPr id="13" name="사각형: 둥근 모서리 12">
+            <a:extLst>
+              <a:ext uri="{FF2B5EF4-FFF2-40B4-BE49-F238E27FC236}">
+                <a16:creationId xmlns:a16="http://schemas.microsoft.com/office/drawing/2014/main" id="{9B4E99DD-3329-E23A-0205-02671A08B3FE}"/>
+              </a:ext>
+            </a:extLst>
+          </p:cNvPr>
+          <p:cNvSpPr/>
+          <p:nvPr/>
+        </p:nvSpPr>
+        <p:spPr>
+          <a:xfrm>
+            <a:off x="7934658" y="2645612"/>
+            <a:ext cx="1532803" cy="600240"/>
+          </a:xfrm>
+          <a:prstGeom prst="roundRect">
+            <a:avLst/>
+          </a:prstGeom>
+          <a:noFill/>
+          <a:ln w="38100">
+            <a:solidFill>
+              <a:srgbClr val="C00000"/>
+            </a:solidFill>
+          </a:ln>
+        </p:spPr>
+        <p:style>
+          <a:lnRef idx="2">
+            <a:schemeClr val="dk1"/>
+          </a:lnRef>
+          <a:fillRef idx="1">
+            <a:schemeClr val="lt1"/>
+          </a:fillRef>
+          <a:effectRef idx="0">
+            <a:schemeClr val="dk1"/>
+          </a:effectRef>
+          <a:fontRef idx="minor">
+            <a:schemeClr val="dk1"/>
+          </a:fontRef>
+        </p:style>
+        <p:txBody>
+          <a:bodyPr rtlCol="0" anchor="ctr"/>
+          <a:lstStyle/>
+          <a:p>
+            <a:pPr algn="ctr"/>
+            <a:r>
+              <a:rPr lang="en-US" dirty="0"/>
+              <a:t>state</a:t>
+            </a:r>
+          </a:p>
+        </p:txBody>
+      </p:sp>
+      <p:sp>
+        <p:nvSpPr>
+          <p:cNvPr id="14" name="사각형: 둥근 모서리 13">
+            <a:extLst>
+              <a:ext uri="{FF2B5EF4-FFF2-40B4-BE49-F238E27FC236}">
+                <a16:creationId xmlns:a16="http://schemas.microsoft.com/office/drawing/2014/main" id="{CD86DB47-B0AC-B838-7333-7FC5CA457F14}"/>
+              </a:ext>
+            </a:extLst>
+          </p:cNvPr>
+          <p:cNvSpPr/>
+          <p:nvPr/>
+        </p:nvSpPr>
+        <p:spPr>
+          <a:xfrm>
+            <a:off x="7934658" y="3451155"/>
+            <a:ext cx="1532803" cy="600240"/>
+          </a:xfrm>
+          <a:prstGeom prst="roundRect">
+            <a:avLst/>
+          </a:prstGeom>
+          <a:noFill/>
+          <a:ln w="38100">
+            <a:solidFill>
+              <a:srgbClr val="C00000"/>
+            </a:solidFill>
+          </a:ln>
+        </p:spPr>
+        <p:style>
+          <a:lnRef idx="2">
+            <a:schemeClr val="dk1"/>
+          </a:lnRef>
+          <a:fillRef idx="1">
+            <a:schemeClr val="lt1"/>
+          </a:fillRef>
+          <a:effectRef idx="0">
+            <a:schemeClr val="dk1"/>
+          </a:effectRef>
+          <a:fontRef idx="minor">
+            <a:schemeClr val="dk1"/>
+          </a:fontRef>
+        </p:style>
+        <p:txBody>
+          <a:bodyPr rtlCol="0" anchor="ctr"/>
+          <a:lstStyle/>
+          <a:p>
+            <a:pPr algn="ctr"/>
+            <a:r>
+              <a:rPr lang="en-US" dirty="0"/>
+              <a:t>seq_num</a:t>
+            </a:r>
+          </a:p>
+        </p:txBody>
+      </p:sp>
+      <p:sp>
+        <p:nvSpPr>
+          <p:cNvPr id="15" name="사각형: 둥근 모서리 14">
+            <a:extLst>
+              <a:ext uri="{FF2B5EF4-FFF2-40B4-BE49-F238E27FC236}">
+                <a16:creationId xmlns:a16="http://schemas.microsoft.com/office/drawing/2014/main" id="{8061F529-50A3-6850-136A-59A1EE45D173}"/>
+              </a:ext>
+            </a:extLst>
+          </p:cNvPr>
+          <p:cNvSpPr/>
+          <p:nvPr/>
+        </p:nvSpPr>
+        <p:spPr>
+          <a:xfrm>
+            <a:off x="9654602" y="1840069"/>
+            <a:ext cx="1532803" cy="600240"/>
+          </a:xfrm>
+          <a:prstGeom prst="roundRect">
+            <a:avLst/>
+          </a:prstGeom>
+          <a:noFill/>
+          <a:ln w="38100">
+            <a:solidFill>
+              <a:srgbClr val="C00000"/>
+            </a:solidFill>
+          </a:ln>
+        </p:spPr>
+        <p:style>
+          <a:lnRef idx="2">
+            <a:schemeClr val="dk1"/>
+          </a:lnRef>
+          <a:fillRef idx="1">
+            <a:schemeClr val="lt1"/>
+          </a:fillRef>
+          <a:effectRef idx="0">
+            <a:schemeClr val="dk1"/>
+          </a:effectRef>
+          <a:fontRef idx="minor">
+            <a:schemeClr val="dk1"/>
+          </a:fontRef>
+        </p:style>
+        <p:txBody>
+          <a:bodyPr rtlCol="0" anchor="ctr"/>
+          <a:lstStyle/>
+          <a:p>
+            <a:pPr algn="ctr"/>
+            <a:r>
+              <a:rPr lang="en-US" dirty="0"/>
+              <a:t>crc</a:t>
+            </a:r>
+          </a:p>
+        </p:txBody>
+      </p:sp>
+      <p:sp>
+        <p:nvSpPr>
+          <p:cNvPr id="16" name="사각형: 둥근 모서리 15">
+            <a:extLst>
+              <a:ext uri="{FF2B5EF4-FFF2-40B4-BE49-F238E27FC236}">
+                <a16:creationId xmlns:a16="http://schemas.microsoft.com/office/drawing/2014/main" id="{A0013CB6-6EB6-C34A-BBBE-CE7A56BC8682}"/>
+              </a:ext>
+            </a:extLst>
+          </p:cNvPr>
+          <p:cNvSpPr/>
+          <p:nvPr/>
+        </p:nvSpPr>
+        <p:spPr>
+          <a:xfrm>
+            <a:off x="9654602" y="2645611"/>
+            <a:ext cx="1532803" cy="600240"/>
+          </a:xfrm>
+          <a:prstGeom prst="roundRect">
+            <a:avLst/>
+          </a:prstGeom>
+          <a:noFill/>
+          <a:ln w="38100">
+            <a:solidFill>
+              <a:srgbClr val="C00000"/>
+            </a:solidFill>
+          </a:ln>
+        </p:spPr>
+        <p:style>
+          <a:lnRef idx="2">
+            <a:schemeClr val="dk1"/>
+          </a:lnRef>
+          <a:fillRef idx="1">
+            <a:schemeClr val="lt1"/>
+          </a:fillRef>
+          <a:effectRef idx="0">
+            <a:schemeClr val="dk1"/>
+          </a:effectRef>
+          <a:fontRef idx="minor">
+            <a:schemeClr val="dk1"/>
+          </a:fontRef>
+        </p:style>
+        <p:txBody>
+          <a:bodyPr rtlCol="0" anchor="ctr"/>
+          <a:lstStyle/>
+          <a:p>
+            <a:pPr algn="ctr"/>
+            <a:r>
+              <a:rPr lang="en-US" dirty="0"/>
+              <a:t>magic</a:t>
+            </a:r>
+          </a:p>
+        </p:txBody>
+      </p:sp>
+      <p:sp>
+        <p:nvSpPr>
+          <p:cNvPr id="17" name="사각형: 둥근 모서리 16">
+            <a:extLst>
+              <a:ext uri="{FF2B5EF4-FFF2-40B4-BE49-F238E27FC236}">
+                <a16:creationId xmlns:a16="http://schemas.microsoft.com/office/drawing/2014/main" id="{F4423561-A757-AA0B-CD01-22344FE2B867}"/>
+              </a:ext>
+            </a:extLst>
+          </p:cNvPr>
+          <p:cNvSpPr/>
+          <p:nvPr/>
+        </p:nvSpPr>
+        <p:spPr>
+          <a:xfrm>
+            <a:off x="9654601" y="3456774"/>
+            <a:ext cx="1532804" cy="600240"/>
+          </a:xfrm>
+          <a:prstGeom prst="roundRect">
+            <a:avLst/>
+          </a:prstGeom>
+          <a:noFill/>
+          <a:ln w="38100">
+            <a:solidFill>
+              <a:srgbClr val="C00000"/>
+            </a:solidFill>
+          </a:ln>
+        </p:spPr>
+        <p:style>
+          <a:lnRef idx="2">
+            <a:schemeClr val="dk1"/>
+          </a:lnRef>
+          <a:fillRef idx="1">
+            <a:schemeClr val="lt1"/>
+          </a:fillRef>
+          <a:effectRef idx="0">
+            <a:schemeClr val="dk1"/>
+          </a:effectRef>
+          <a:fontRef idx="minor">
+            <a:schemeClr val="dk1"/>
+          </a:fontRef>
+        </p:style>
+        <p:txBody>
+          <a:bodyPr rtlCol="0" anchor="ctr"/>
+          <a:lstStyle/>
+          <a:p>
+            <a:pPr algn="ctr"/>
+            <a:r>
+              <a:rPr lang="en-US" dirty="0"/>
+              <a:t>payload[0]</a:t>
+            </a:r>
+          </a:p>
+        </p:txBody>
+      </p:sp>
+      <p:cxnSp>
+        <p:nvCxnSpPr>
+          <p:cNvPr id="19" name="연결선: 꺾임 18">
+            <a:extLst>
+              <a:ext uri="{FF2B5EF4-FFF2-40B4-BE49-F238E27FC236}">
+                <a16:creationId xmlns:a16="http://schemas.microsoft.com/office/drawing/2014/main" id="{27CB81C8-74E3-20F6-5D43-04E69BDB6BA5}"/>
+              </a:ext>
+            </a:extLst>
+          </p:cNvPr>
+          <p:cNvCxnSpPr>
+            <a:cxnSpLocks/>
+            <a:stCxn id="9" idx="3"/>
+            <a:endCxn id="6" idx="1"/>
+          </p:cNvCxnSpPr>
+          <p:nvPr/>
+        </p:nvCxnSpPr>
+        <p:spPr>
+          <a:xfrm>
+            <a:off x="1449356" y="1035098"/>
+            <a:ext cx="300631" cy="833533"/>
+          </a:xfrm>
+          <a:prstGeom prst="bentConnector3">
+            <a:avLst/>
+          </a:prstGeom>
+          <a:ln w="38100">
+            <a:tailEnd type="triangle"/>
+          </a:ln>
+        </p:spPr>
+        <p:style>
+          <a:lnRef idx="1">
+            <a:schemeClr val="accent1"/>
+          </a:lnRef>
+          <a:fillRef idx="0">
+            <a:schemeClr val="accent1"/>
+          </a:fillRef>
+          <a:effectRef idx="0">
+            <a:schemeClr val="accent1"/>
+          </a:effectRef>
+          <a:fontRef idx="minor">
+            <a:schemeClr val="tx1"/>
+          </a:fontRef>
+        </p:style>
+      </p:cxnSp>
+      <p:cxnSp>
+        <p:nvCxnSpPr>
+          <p:cNvPr id="21" name="연결선: 꺾임 20">
+            <a:extLst>
+              <a:ext uri="{FF2B5EF4-FFF2-40B4-BE49-F238E27FC236}">
+                <a16:creationId xmlns:a16="http://schemas.microsoft.com/office/drawing/2014/main" id="{772631B6-F4D2-88C6-E94B-52B303EA3434}"/>
+              </a:ext>
+            </a:extLst>
+          </p:cNvPr>
+          <p:cNvCxnSpPr>
+            <a:cxnSpLocks/>
+            <a:stCxn id="9" idx="3"/>
+            <a:endCxn id="5" idx="1"/>
+          </p:cNvCxnSpPr>
+          <p:nvPr/>
+        </p:nvCxnSpPr>
+        <p:spPr>
+          <a:xfrm flipV="1">
+            <a:off x="1449356" y="1035097"/>
+            <a:ext cx="300632" cy="1"/>
+          </a:xfrm>
+          <a:prstGeom prst="bentConnector3">
+            <a:avLst>
+              <a:gd name="adj1" fmla="val 50000"/>
+            </a:avLst>
+          </a:prstGeom>
+          <a:ln w="38100">
+            <a:tailEnd type="triangle"/>
+          </a:ln>
+        </p:spPr>
+        <p:style>
+          <a:lnRef idx="1">
+            <a:schemeClr val="accent1"/>
+          </a:lnRef>
+          <a:fillRef idx="0">
+            <a:schemeClr val="accent1"/>
+          </a:fillRef>
+          <a:effectRef idx="0">
+            <a:schemeClr val="accent1"/>
+          </a:effectRef>
+          <a:fontRef idx="minor">
+            <a:schemeClr val="tx1"/>
+          </a:fontRef>
+        </p:style>
+      </p:cxnSp>
+      <p:cxnSp>
+        <p:nvCxnSpPr>
+          <p:cNvPr id="24" name="연결선: 꺾임 23">
+            <a:extLst>
+              <a:ext uri="{FF2B5EF4-FFF2-40B4-BE49-F238E27FC236}">
+                <a16:creationId xmlns:a16="http://schemas.microsoft.com/office/drawing/2014/main" id="{874D0AA8-AD76-D8AA-C0DA-0273EA4CA1C0}"/>
+              </a:ext>
+            </a:extLst>
+          </p:cNvPr>
+          <p:cNvCxnSpPr>
+            <a:cxnSpLocks/>
+            <a:stCxn id="6" idx="3"/>
+            <a:endCxn id="8" idx="1"/>
+          </p:cNvCxnSpPr>
+          <p:nvPr/>
+        </p:nvCxnSpPr>
+        <p:spPr>
+          <a:xfrm>
+            <a:off x="3312366" y="1868631"/>
+            <a:ext cx="344179" cy="870858"/>
+          </a:xfrm>
+          <a:prstGeom prst="bentConnector3">
+            <a:avLst>
+              <a:gd name="adj1" fmla="val 50000"/>
+            </a:avLst>
+          </a:prstGeom>
+          <a:ln w="38100">
+            <a:tailEnd type="triangle"/>
+          </a:ln>
+        </p:spPr>
+        <p:style>
+          <a:lnRef idx="1">
+            <a:schemeClr val="accent1"/>
+          </a:lnRef>
+          <a:fillRef idx="0">
+            <a:schemeClr val="accent1"/>
+          </a:fillRef>
+          <a:effectRef idx="0">
+            <a:schemeClr val="accent1"/>
+          </a:effectRef>
+          <a:fontRef idx="minor">
+            <a:schemeClr val="tx1"/>
+          </a:fontRef>
+        </p:style>
+      </p:cxnSp>
+      <p:cxnSp>
+        <p:nvCxnSpPr>
+          <p:cNvPr id="31" name="연결선: 꺾임 30">
+            <a:extLst>
+              <a:ext uri="{FF2B5EF4-FFF2-40B4-BE49-F238E27FC236}">
+                <a16:creationId xmlns:a16="http://schemas.microsoft.com/office/drawing/2014/main" id="{68E40339-047C-2A29-7713-BF56BF78B304}"/>
+              </a:ext>
+            </a:extLst>
+          </p:cNvPr>
+          <p:cNvCxnSpPr>
+            <a:cxnSpLocks/>
+            <a:stCxn id="8" idx="3"/>
+            <a:endCxn id="11" idx="1"/>
+          </p:cNvCxnSpPr>
+          <p:nvPr/>
+        </p:nvCxnSpPr>
+        <p:spPr>
+          <a:xfrm>
+            <a:off x="5607697" y="2739489"/>
+            <a:ext cx="347819" cy="1611086"/>
+          </a:xfrm>
+          <a:prstGeom prst="bentConnector3">
+            <a:avLst>
+              <a:gd name="adj1" fmla="val 50000"/>
+            </a:avLst>
+          </a:prstGeom>
+          <a:ln w="38100">
+            <a:tailEnd type="triangle"/>
+          </a:ln>
+        </p:spPr>
+        <p:style>
+          <a:lnRef idx="1">
+            <a:schemeClr val="accent1"/>
+          </a:lnRef>
+          <a:fillRef idx="0">
+            <a:schemeClr val="accent1"/>
+          </a:fillRef>
+          <a:effectRef idx="0">
+            <a:schemeClr val="accent1"/>
+          </a:effectRef>
+          <a:fontRef idx="minor">
+            <a:schemeClr val="tx1"/>
+          </a:fontRef>
+        </p:style>
+      </p:cxnSp>
+      <p:cxnSp>
+        <p:nvCxnSpPr>
+          <p:cNvPr id="34" name="연결선: 꺾임 33">
+            <a:extLst>
+              <a:ext uri="{FF2B5EF4-FFF2-40B4-BE49-F238E27FC236}">
+                <a16:creationId xmlns:a16="http://schemas.microsoft.com/office/drawing/2014/main" id="{287C28AD-4B50-1A0A-3735-F69B83BD3ABD}"/>
+              </a:ext>
+            </a:extLst>
+          </p:cNvPr>
+          <p:cNvCxnSpPr>
+            <a:cxnSpLocks/>
+            <a:stCxn id="8" idx="3"/>
+            <a:endCxn id="10" idx="1"/>
+          </p:cNvCxnSpPr>
+          <p:nvPr/>
+        </p:nvCxnSpPr>
+        <p:spPr>
+          <a:xfrm>
+            <a:off x="5607697" y="2739489"/>
+            <a:ext cx="375810" cy="805543"/>
+          </a:xfrm>
+          <a:prstGeom prst="bentConnector3">
+            <a:avLst>
+              <a:gd name="adj1" fmla="val 50000"/>
+            </a:avLst>
+          </a:prstGeom>
+          <a:ln w="38100">
+            <a:tailEnd type="triangle"/>
+          </a:ln>
+        </p:spPr>
+        <p:style>
+          <a:lnRef idx="1">
+            <a:schemeClr val="accent1"/>
+          </a:lnRef>
+          <a:fillRef idx="0">
+            <a:schemeClr val="accent1"/>
+          </a:fillRef>
+          <a:effectRef idx="0">
+            <a:schemeClr val="accent1"/>
+          </a:effectRef>
+          <a:fontRef idx="minor">
+            <a:schemeClr val="tx1"/>
+          </a:fontRef>
+        </p:style>
+      </p:cxnSp>
+      <p:sp>
+        <p:nvSpPr>
+          <p:cNvPr id="41" name="사각형: 둥근 모서리 40">
+            <a:extLst>
+              <a:ext uri="{FF2B5EF4-FFF2-40B4-BE49-F238E27FC236}">
+                <a16:creationId xmlns:a16="http://schemas.microsoft.com/office/drawing/2014/main" id="{850278C0-BF45-E96A-7242-BFC3A288676A}"/>
+              </a:ext>
+            </a:extLst>
+          </p:cNvPr>
+          <p:cNvSpPr/>
+          <p:nvPr/>
+        </p:nvSpPr>
+        <p:spPr>
+          <a:xfrm>
+            <a:off x="7642823" y="1610909"/>
+            <a:ext cx="3833829" cy="3632205"/>
+          </a:xfrm>
+          <a:prstGeom prst="roundRect">
+            <a:avLst>
+              <a:gd name="adj" fmla="val 3297"/>
+            </a:avLst>
+          </a:prstGeom>
+          <a:noFill/>
+          <a:ln w="38100">
+            <a:solidFill>
+              <a:srgbClr val="FF0000"/>
+            </a:solidFill>
+          </a:ln>
+        </p:spPr>
+        <p:style>
+          <a:lnRef idx="2">
+            <a:schemeClr val="dk1"/>
+          </a:lnRef>
+          <a:fillRef idx="1">
+            <a:schemeClr val="lt1"/>
+          </a:fillRef>
+          <a:effectRef idx="0">
+            <a:schemeClr val="dk1"/>
+          </a:effectRef>
+          <a:fontRef idx="minor">
+            <a:schemeClr val="dk1"/>
+          </a:fontRef>
+        </p:style>
+        <p:txBody>
+          <a:bodyPr rtlCol="0" anchor="ctr"/>
+          <a:lstStyle/>
+          <a:p>
+            <a:pPr algn="ctr"/>
+            <a:endParaRPr lang="en-US" dirty="0"/>
+          </a:p>
+        </p:txBody>
+      </p:sp>
+      <p:cxnSp>
+        <p:nvCxnSpPr>
+          <p:cNvPr id="45" name="직선 화살표 연결선 44">
+            <a:extLst>
+              <a:ext uri="{FF2B5EF4-FFF2-40B4-BE49-F238E27FC236}">
+                <a16:creationId xmlns:a16="http://schemas.microsoft.com/office/drawing/2014/main" id="{5237B839-53FA-DFEC-3422-36B1AACB49B5}"/>
+              </a:ext>
+            </a:extLst>
+          </p:cNvPr>
+          <p:cNvCxnSpPr>
+            <a:cxnSpLocks/>
+            <a:stCxn id="8" idx="3"/>
+            <a:endCxn id="4" idx="1"/>
+          </p:cNvCxnSpPr>
+          <p:nvPr/>
+        </p:nvCxnSpPr>
+        <p:spPr>
+          <a:xfrm>
+            <a:off x="5607697" y="2739489"/>
+            <a:ext cx="375810" cy="0"/>
+          </a:xfrm>
+          <a:prstGeom prst="straightConnector1">
+            <a:avLst/>
+          </a:prstGeom>
+          <a:ln w="38100">
+            <a:tailEnd type="triangle"/>
+          </a:ln>
+        </p:spPr>
+        <p:style>
+          <a:lnRef idx="1">
+            <a:schemeClr val="accent1"/>
+          </a:lnRef>
+          <a:fillRef idx="0">
+            <a:schemeClr val="accent1"/>
+          </a:fillRef>
+          <a:effectRef idx="0">
+            <a:schemeClr val="accent1"/>
+          </a:effectRef>
+          <a:fontRef idx="minor">
+            <a:schemeClr val="tx1"/>
+          </a:fontRef>
+        </p:style>
+      </p:cxnSp>
+      <p:cxnSp>
+        <p:nvCxnSpPr>
+          <p:cNvPr id="47" name="직선 화살표 연결선 46">
+            <a:extLst>
+              <a:ext uri="{FF2B5EF4-FFF2-40B4-BE49-F238E27FC236}">
+                <a16:creationId xmlns:a16="http://schemas.microsoft.com/office/drawing/2014/main" id="{5B526002-B5C5-08D7-C96D-2EC6FBA96F9F}"/>
+              </a:ext>
+            </a:extLst>
+          </p:cNvPr>
+          <p:cNvCxnSpPr>
+            <a:cxnSpLocks/>
+          </p:cNvCxnSpPr>
+          <p:nvPr/>
+        </p:nvCxnSpPr>
+        <p:spPr>
+          <a:xfrm>
+            <a:off x="3280735" y="1858700"/>
+            <a:ext cx="375810" cy="0"/>
+          </a:xfrm>
+          <a:prstGeom prst="straightConnector1">
+            <a:avLst/>
+          </a:prstGeom>
+          <a:ln w="38100">
+            <a:tailEnd type="triangle"/>
+          </a:ln>
+        </p:spPr>
+        <p:style>
+          <a:lnRef idx="1">
+            <a:schemeClr val="accent1"/>
+          </a:lnRef>
+          <a:fillRef idx="0">
+            <a:schemeClr val="accent1"/>
+          </a:fillRef>
+          <a:effectRef idx="0">
+            <a:schemeClr val="accent1"/>
+          </a:effectRef>
+          <a:fontRef idx="minor">
+            <a:schemeClr val="tx1"/>
+          </a:fontRef>
+        </p:style>
+      </p:cxnSp>
+      <p:cxnSp>
+        <p:nvCxnSpPr>
+          <p:cNvPr id="48" name="직선 화살표 연결선 47">
+            <a:extLst>
+              <a:ext uri="{FF2B5EF4-FFF2-40B4-BE49-F238E27FC236}">
+                <a16:creationId xmlns:a16="http://schemas.microsoft.com/office/drawing/2014/main" id="{95B6F372-3A98-4FE1-5A1A-57AF8E43CC5E}"/>
+              </a:ext>
+            </a:extLst>
+          </p:cNvPr>
+          <p:cNvCxnSpPr>
+            <a:cxnSpLocks/>
+            <a:stCxn id="10" idx="3"/>
+          </p:cNvCxnSpPr>
+          <p:nvPr/>
+        </p:nvCxnSpPr>
+        <p:spPr>
+          <a:xfrm>
+            <a:off x="7185102" y="3545032"/>
+            <a:ext cx="457722" cy="0"/>
+          </a:xfrm>
+          <a:prstGeom prst="straightConnector1">
+            <a:avLst/>
+          </a:prstGeom>
+          <a:ln w="38100">
+            <a:tailEnd type="triangle"/>
+          </a:ln>
+        </p:spPr>
+        <p:style>
+          <a:lnRef idx="1">
+            <a:schemeClr val="accent1"/>
+          </a:lnRef>
+          <a:fillRef idx="0">
+            <a:schemeClr val="accent1"/>
+          </a:fillRef>
+          <a:effectRef idx="0">
+            <a:schemeClr val="accent1"/>
+          </a:effectRef>
+          <a:fontRef idx="minor">
+            <a:schemeClr val="tx1"/>
+          </a:fontRef>
+        </p:style>
+      </p:cxnSp>
+      <p:sp>
+        <p:nvSpPr>
+          <p:cNvPr id="25" name="사각형: 둥근 모서리 24">
+            <a:extLst>
+              <a:ext uri="{FF2B5EF4-FFF2-40B4-BE49-F238E27FC236}">
+                <a16:creationId xmlns:a16="http://schemas.microsoft.com/office/drawing/2014/main" id="{91BA91B2-A329-3CBE-F33F-6D980A23B016}"/>
+              </a:ext>
+            </a:extLst>
+          </p:cNvPr>
+          <p:cNvSpPr/>
+          <p:nvPr/>
+        </p:nvSpPr>
+        <p:spPr>
+          <a:xfrm>
+            <a:off x="7934658" y="4256698"/>
+            <a:ext cx="1532803" cy="600240"/>
+          </a:xfrm>
+          <a:prstGeom prst="roundRect">
+            <a:avLst/>
+          </a:prstGeom>
+          <a:noFill/>
+          <a:ln w="38100">
+            <a:solidFill>
+              <a:srgbClr val="C00000"/>
+            </a:solidFill>
+          </a:ln>
+        </p:spPr>
+        <p:style>
+          <a:lnRef idx="2">
+            <a:schemeClr val="dk1"/>
+          </a:lnRef>
+          <a:fillRef idx="1">
+            <a:schemeClr val="lt1"/>
+          </a:fillRef>
+          <a:effectRef idx="0">
+            <a:schemeClr val="dk1"/>
+          </a:effectRef>
+          <a:fontRef idx="minor">
+            <a:schemeClr val="dk1"/>
+          </a:fontRef>
+        </p:style>
+        <p:txBody>
+          <a:bodyPr rtlCol="0" anchor="ctr"/>
+          <a:lstStyle/>
+          <a:p>
+            <a:pPr algn="ctr"/>
+            <a:r>
+              <a:rPr lang="en-US" dirty="0"/>
+              <a:t>master_mac</a:t>
+            </a:r>
+          </a:p>
+        </p:txBody>
+      </p:sp>
+      <p:sp>
+        <p:nvSpPr>
+          <p:cNvPr id="26" name="사각형: 둥근 모서리 25">
+            <a:extLst>
+              <a:ext uri="{FF2B5EF4-FFF2-40B4-BE49-F238E27FC236}">
+                <a16:creationId xmlns:a16="http://schemas.microsoft.com/office/drawing/2014/main" id="{B335FD74-0655-FBB9-705A-E6E2A091AEF2}"/>
+              </a:ext>
+            </a:extLst>
+          </p:cNvPr>
+          <p:cNvSpPr/>
+          <p:nvPr/>
+        </p:nvSpPr>
+        <p:spPr>
+          <a:xfrm>
+            <a:off x="9654601" y="4284293"/>
+            <a:ext cx="1532803" cy="600240"/>
+          </a:xfrm>
+          <a:prstGeom prst="roundRect">
+            <a:avLst/>
+          </a:prstGeom>
+          <a:noFill/>
+          <a:ln w="38100">
+            <a:solidFill>
+              <a:srgbClr val="C00000"/>
+            </a:solidFill>
+          </a:ln>
+        </p:spPr>
+        <p:style>
+          <a:lnRef idx="2">
+            <a:schemeClr val="dk1"/>
+          </a:lnRef>
+          <a:fillRef idx="1">
+            <a:schemeClr val="lt1"/>
+          </a:fillRef>
+          <a:effectRef idx="0">
+            <a:schemeClr val="dk1"/>
+          </a:effectRef>
+          <a:fontRef idx="minor">
+            <a:schemeClr val="dk1"/>
+          </a:fontRef>
+        </p:style>
+        <p:txBody>
+          <a:bodyPr rtlCol="0" anchor="ctr"/>
+          <a:lstStyle/>
+          <a:p>
+            <a:pPr algn="ctr"/>
+            <a:r>
+              <a:rPr lang="en-US" dirty="0"/>
+              <a:t>pairing_count</a:t>
+            </a:r>
+          </a:p>
+        </p:txBody>
+      </p:sp>
+    </p:spTree>
+    <p:extLst>
+      <p:ext uri="{BB962C8B-B14F-4D97-AF65-F5344CB8AC3E}">
+        <p14:creationId xmlns:p14="http://schemas.microsoft.com/office/powerpoint/2010/main" val="1364159432"/>
+      </p:ext>
+    </p:extLst>
+  </p:cSld>
+  <p:clrMapOvr>
+    <a:masterClrMapping/>
+  </p:clrMapOvr>
+</p:sld>
+</file>
+
+<file path=ppt/slides/slide3.xml><?xml version="1.0" encoding="utf-8"?>
+<p:sld xmlns:a="http://schemas.openxmlformats.org/drawingml/2006/main" xmlns:r="http://schemas.openxmlformats.org/officeDocument/2006/relationships" xmlns:p="http://schemas.openxmlformats.org/presentationml/2006/main">
+  <p:cSld>
+    <p:spTree>
+      <p:nvGrpSpPr>
+        <p:cNvPr id="1" name=""/>
+        <p:cNvGrpSpPr/>
+        <p:nvPr/>
+      </p:nvGrpSpPr>
+      <p:grpSpPr>
+        <a:xfrm>
+          <a:off x="0" y="0"/>
+          <a:ext cx="0" cy="0"/>
+          <a:chOff x="0" y="0"/>
+          <a:chExt cx="0" cy="0"/>
+        </a:xfrm>
+      </p:grpSpPr>
+      <p:sp>
+        <p:nvSpPr>
+          <p:cNvPr id="2" name="TextBox 1">
+            <a:extLst>
+              <a:ext uri="{FF2B5EF4-FFF2-40B4-BE49-F238E27FC236}">
+                <a16:creationId xmlns:a16="http://schemas.microsoft.com/office/drawing/2014/main" id="{947CCED0-C7F2-541E-75BB-4B63FDEEBDE1}"/>
+              </a:ext>
+            </a:extLst>
+          </p:cNvPr>
+          <p:cNvSpPr txBox="1"/>
+          <p:nvPr/>
+        </p:nvSpPr>
+        <p:spPr>
+          <a:xfrm>
+            <a:off x="909857" y="940025"/>
+            <a:ext cx="825739" cy="369332"/>
+          </a:xfrm>
+          <a:prstGeom prst="rect">
+            <a:avLst/>
+          </a:prstGeom>
+          <a:noFill/>
+        </p:spPr>
+        <p:txBody>
+          <a:bodyPr wrap="none" rtlCol="0">
+            <a:spAutoFit/>
+          </a:bodyPr>
+          <a:lstStyle/>
+          <a:p>
+            <a:r>
+              <a:rPr lang="en-US" dirty="0"/>
+              <a:t>Pairing</a:t>
+            </a:r>
+          </a:p>
+        </p:txBody>
+      </p:sp>
+      <p:sp>
+        <p:nvSpPr>
+          <p:cNvPr id="3" name="사각형: 둥근 모서리 2">
+            <a:extLst>
+              <a:ext uri="{FF2B5EF4-FFF2-40B4-BE49-F238E27FC236}">
+                <a16:creationId xmlns:a16="http://schemas.microsoft.com/office/drawing/2014/main" id="{AD8133A7-9E96-5C50-A58A-09A44D6AD0A5}"/>
+              </a:ext>
+            </a:extLst>
+          </p:cNvPr>
+          <p:cNvSpPr/>
+          <p:nvPr/>
+        </p:nvSpPr>
+        <p:spPr>
+          <a:xfrm>
+            <a:off x="3038953" y="1617552"/>
+            <a:ext cx="1702966" cy="1002269"/>
+          </a:xfrm>
+          <a:prstGeom prst="roundRect">
+            <a:avLst/>
+          </a:prstGeom>
+          <a:noFill/>
+          <a:ln w="38100"/>
+        </p:spPr>
+        <p:style>
+          <a:lnRef idx="2">
+            <a:schemeClr val="dk1"/>
+          </a:lnRef>
+          <a:fillRef idx="1">
+            <a:schemeClr val="lt1"/>
+          </a:fillRef>
+          <a:effectRef idx="0">
+            <a:schemeClr val="dk1"/>
+          </a:effectRef>
+          <a:fontRef idx="minor">
+            <a:schemeClr val="dk1"/>
+          </a:fontRef>
+        </p:style>
+        <p:txBody>
+          <a:bodyPr rtlCol="0" anchor="ctr"/>
+          <a:lstStyle/>
+          <a:p>
+            <a:pPr algn="ctr"/>
+            <a:r>
+              <a:rPr lang="en-US" dirty="0"/>
+              <a:t>ESP32_Master</a:t>
+            </a:r>
+          </a:p>
+        </p:txBody>
+      </p:sp>
+      <p:sp>
+        <p:nvSpPr>
+          <p:cNvPr id="5" name="사각형: 둥근 모서리 4">
+            <a:extLst>
+              <a:ext uri="{FF2B5EF4-FFF2-40B4-BE49-F238E27FC236}">
+                <a16:creationId xmlns:a16="http://schemas.microsoft.com/office/drawing/2014/main" id="{DA02A520-1392-9FB7-F159-1F27C5149792}"/>
+              </a:ext>
+            </a:extLst>
+          </p:cNvPr>
+          <p:cNvSpPr/>
+          <p:nvPr/>
+        </p:nvSpPr>
+        <p:spPr>
+          <a:xfrm>
+            <a:off x="985049" y="1617553"/>
+            <a:ext cx="1702966" cy="1002269"/>
+          </a:xfrm>
+          <a:prstGeom prst="roundRect">
+            <a:avLst/>
+          </a:prstGeom>
+          <a:noFill/>
+          <a:ln w="38100"/>
+        </p:spPr>
+        <p:style>
+          <a:lnRef idx="2">
+            <a:schemeClr val="dk1"/>
+          </a:lnRef>
+          <a:fillRef idx="1">
+            <a:schemeClr val="lt1"/>
+          </a:fillRef>
+          <a:effectRef idx="0">
+            <a:schemeClr val="dk1"/>
+          </a:effectRef>
+          <a:fontRef idx="minor">
+            <a:schemeClr val="dk1"/>
+          </a:fontRef>
+        </p:style>
+        <p:txBody>
+          <a:bodyPr rtlCol="0" anchor="ctr"/>
+          <a:lstStyle/>
+          <a:p>
+            <a:pPr algn="ctr"/>
+            <a:r>
+              <a:rPr lang="en-US" dirty="0"/>
+              <a:t>Jetson</a:t>
+            </a:r>
+          </a:p>
+        </p:txBody>
+      </p:sp>
+      <p:sp>
+        <p:nvSpPr>
+          <p:cNvPr id="6" name="사각형: 둥근 모서리 5">
+            <a:extLst>
+              <a:ext uri="{FF2B5EF4-FFF2-40B4-BE49-F238E27FC236}">
+                <a16:creationId xmlns:a16="http://schemas.microsoft.com/office/drawing/2014/main" id="{F6F6115E-B1C2-631E-1A96-C9C488BFF340}"/>
+              </a:ext>
+            </a:extLst>
+          </p:cNvPr>
+          <p:cNvSpPr/>
+          <p:nvPr/>
+        </p:nvSpPr>
+        <p:spPr>
+          <a:xfrm>
+            <a:off x="8317027" y="1589803"/>
+            <a:ext cx="1702966" cy="1002269"/>
+          </a:xfrm>
+          <a:prstGeom prst="roundRect">
+            <a:avLst/>
+          </a:prstGeom>
+          <a:noFill/>
+          <a:ln w="38100"/>
+        </p:spPr>
+        <p:style>
+          <a:lnRef idx="2">
+            <a:schemeClr val="dk1"/>
+          </a:lnRef>
+          <a:fillRef idx="1">
+            <a:schemeClr val="lt1"/>
+          </a:fillRef>
+          <a:effectRef idx="0">
+            <a:schemeClr val="dk1"/>
+          </a:effectRef>
+          <a:fontRef idx="minor">
+            <a:schemeClr val="dk1"/>
+          </a:fontRef>
+        </p:style>
+        <p:txBody>
+          <a:bodyPr rtlCol="0" anchor="ctr"/>
+          <a:lstStyle/>
+          <a:p>
+            <a:pPr algn="ctr"/>
+            <a:r>
+              <a:rPr lang="en-US" dirty="0"/>
+              <a:t>ESP32_Slave</a:t>
+            </a:r>
+          </a:p>
+        </p:txBody>
+      </p:sp>
+      <p:cxnSp>
+        <p:nvCxnSpPr>
+          <p:cNvPr id="8" name="직선 화살표 연결선 7">
+            <a:extLst>
+              <a:ext uri="{FF2B5EF4-FFF2-40B4-BE49-F238E27FC236}">
+                <a16:creationId xmlns:a16="http://schemas.microsoft.com/office/drawing/2014/main" id="{0898AC7D-4416-138B-E9DE-026A67A2FC1F}"/>
+              </a:ext>
+            </a:extLst>
+          </p:cNvPr>
+          <p:cNvCxnSpPr/>
+          <p:nvPr/>
+        </p:nvCxnSpPr>
+        <p:spPr>
+          <a:xfrm>
+            <a:off x="5262037" y="2057381"/>
+            <a:ext cx="2592198" cy="0"/>
+          </a:xfrm>
+          <a:prstGeom prst="straightConnector1">
+            <a:avLst/>
+          </a:prstGeom>
+          <a:ln w="38100">
+            <a:tailEnd type="triangle"/>
+          </a:ln>
+        </p:spPr>
+        <p:style>
+          <a:lnRef idx="1">
+            <a:schemeClr val="accent1"/>
+          </a:lnRef>
+          <a:fillRef idx="0">
+            <a:schemeClr val="accent1"/>
+          </a:fillRef>
+          <a:effectRef idx="0">
+            <a:schemeClr val="accent1"/>
+          </a:effectRef>
+          <a:fontRef idx="minor">
+            <a:schemeClr val="tx1"/>
+          </a:fontRef>
+        </p:style>
+      </p:cxnSp>
+      <p:sp>
+        <p:nvSpPr>
+          <p:cNvPr id="9" name="TextBox 8">
+            <a:extLst>
+              <a:ext uri="{FF2B5EF4-FFF2-40B4-BE49-F238E27FC236}">
+                <a16:creationId xmlns:a16="http://schemas.microsoft.com/office/drawing/2014/main" id="{3D59D760-3E06-C8E4-FE8F-4E2449F33168}"/>
+              </a:ext>
+            </a:extLst>
+          </p:cNvPr>
+          <p:cNvSpPr txBox="1"/>
+          <p:nvPr/>
+        </p:nvSpPr>
+        <p:spPr>
+          <a:xfrm>
+            <a:off x="5729574" y="1328791"/>
+            <a:ext cx="1599797" cy="369332"/>
+          </a:xfrm>
+          <a:prstGeom prst="rect">
+            <a:avLst/>
+          </a:prstGeom>
+          <a:noFill/>
+        </p:spPr>
+        <p:txBody>
+          <a:bodyPr wrap="none" rtlCol="0">
+            <a:spAutoFit/>
+          </a:bodyPr>
+          <a:lstStyle/>
+          <a:p>
+            <a:r>
+              <a:rPr lang="en-US" dirty="0"/>
+              <a:t>Broadcast Data</a:t>
+            </a:r>
+          </a:p>
+        </p:txBody>
+      </p:sp>
+      <p:sp>
+        <p:nvSpPr>
+          <p:cNvPr id="10" name="TextBox 9">
+            <a:extLst>
+              <a:ext uri="{FF2B5EF4-FFF2-40B4-BE49-F238E27FC236}">
+                <a16:creationId xmlns:a16="http://schemas.microsoft.com/office/drawing/2014/main" id="{0B68CD73-0D1C-6A9D-FBEB-1727F810AF1D}"/>
+              </a:ext>
+            </a:extLst>
+          </p:cNvPr>
+          <p:cNvSpPr txBox="1"/>
+          <p:nvPr/>
+        </p:nvSpPr>
+        <p:spPr>
+          <a:xfrm>
+            <a:off x="8645168" y="2733715"/>
+            <a:ext cx="1367169" cy="369332"/>
+          </a:xfrm>
+          <a:prstGeom prst="rect">
+            <a:avLst/>
+          </a:prstGeom>
+          <a:noFill/>
+        </p:spPr>
+        <p:txBody>
+          <a:bodyPr wrap="none" rtlCol="0">
+            <a:spAutoFit/>
+          </a:bodyPr>
+          <a:lstStyle/>
+          <a:p>
+            <a:r>
+              <a:rPr lang="en-US" dirty="0"/>
+              <a:t>Press Button</a:t>
+            </a:r>
+          </a:p>
+        </p:txBody>
+      </p:sp>
+      <p:grpSp>
+        <p:nvGrpSpPr>
+          <p:cNvPr id="14" name="그룹 13">
+            <a:extLst>
+              <a:ext uri="{FF2B5EF4-FFF2-40B4-BE49-F238E27FC236}">
+                <a16:creationId xmlns:a16="http://schemas.microsoft.com/office/drawing/2014/main" id="{CD2B5CDC-001E-F9DD-921F-E97094D581B2}"/>
+              </a:ext>
+            </a:extLst>
+          </p:cNvPr>
+          <p:cNvGrpSpPr/>
+          <p:nvPr/>
+        </p:nvGrpSpPr>
+        <p:grpSpPr>
+          <a:xfrm>
+            <a:off x="8394056" y="2780841"/>
+            <a:ext cx="251114" cy="275084"/>
+            <a:chOff x="8170121" y="3261218"/>
+            <a:chExt cx="329443" cy="360890"/>
+          </a:xfrm>
+        </p:grpSpPr>
+        <p:sp>
+          <p:nvSpPr>
+            <p:cNvPr id="11" name="타원 10">
+              <a:extLst>
+                <a:ext uri="{FF2B5EF4-FFF2-40B4-BE49-F238E27FC236}">
+                  <a16:creationId xmlns:a16="http://schemas.microsoft.com/office/drawing/2014/main" id="{F65F8B8C-2059-DF29-7E0C-1960E56EC471}"/>
+                </a:ext>
+              </a:extLst>
+            </p:cNvPr>
+            <p:cNvSpPr/>
+            <p:nvPr/>
+          </p:nvSpPr>
+          <p:spPr>
+            <a:xfrm>
+              <a:off x="8170121" y="3261218"/>
+              <a:ext cx="329443" cy="360890"/>
+            </a:xfrm>
+            <a:prstGeom prst="ellipse">
+              <a:avLst/>
+            </a:prstGeom>
+            <a:ln w="31750"/>
+          </p:spPr>
+          <p:style>
+            <a:lnRef idx="2">
+              <a:schemeClr val="dk1"/>
+            </a:lnRef>
+            <a:fillRef idx="1">
+              <a:schemeClr val="lt1"/>
+            </a:fillRef>
+            <a:effectRef idx="0">
+              <a:schemeClr val="dk1"/>
+            </a:effectRef>
+            <a:fontRef idx="minor">
+              <a:schemeClr val="dk1"/>
+            </a:fontRef>
+          </p:style>
+          <p:txBody>
+            <a:bodyPr rtlCol="0" anchor="ctr"/>
+            <a:lstStyle/>
+            <a:p>
+              <a:pPr algn="ctr"/>
+              <a:endParaRPr lang="en-US"/>
+            </a:p>
+          </p:txBody>
+        </p:sp>
+        <p:sp>
+          <p:nvSpPr>
+            <p:cNvPr id="12" name="타원 11">
+              <a:extLst>
+                <a:ext uri="{FF2B5EF4-FFF2-40B4-BE49-F238E27FC236}">
+                  <a16:creationId xmlns:a16="http://schemas.microsoft.com/office/drawing/2014/main" id="{000E7F8B-8F4B-0173-41C7-04B2F7780C91}"/>
+                </a:ext>
+              </a:extLst>
+            </p:cNvPr>
+            <p:cNvSpPr/>
+            <p:nvPr/>
+          </p:nvSpPr>
+          <p:spPr>
+            <a:xfrm>
+              <a:off x="8243931" y="3342074"/>
+              <a:ext cx="181820" cy="199176"/>
+            </a:xfrm>
+            <a:prstGeom prst="ellipse">
+              <a:avLst/>
+            </a:prstGeom>
+            <a:ln w="31750"/>
+          </p:spPr>
+          <p:style>
+            <a:lnRef idx="2">
+              <a:schemeClr val="dk1"/>
+            </a:lnRef>
+            <a:fillRef idx="1">
+              <a:schemeClr val="lt1"/>
+            </a:fillRef>
+            <a:effectRef idx="0">
+              <a:schemeClr val="dk1"/>
+            </a:effectRef>
+            <a:fontRef idx="minor">
+              <a:schemeClr val="dk1"/>
+            </a:fontRef>
+          </p:style>
+          <p:txBody>
+            <a:bodyPr rtlCol="0" anchor="ctr"/>
+            <a:lstStyle/>
+            <a:p>
+              <a:pPr algn="ctr"/>
+              <a:endParaRPr lang="en-US"/>
+            </a:p>
+          </p:txBody>
+        </p:sp>
+      </p:grpSp>
+      <p:cxnSp>
+        <p:nvCxnSpPr>
+          <p:cNvPr id="15" name="직선 화살표 연결선 14">
+            <a:extLst>
+              <a:ext uri="{FF2B5EF4-FFF2-40B4-BE49-F238E27FC236}">
+                <a16:creationId xmlns:a16="http://schemas.microsoft.com/office/drawing/2014/main" id="{37B4161C-1C2D-F186-5F94-51526BCC2F94}"/>
+              </a:ext>
+            </a:extLst>
+          </p:cNvPr>
+          <p:cNvCxnSpPr>
+            <a:cxnSpLocks/>
+          </p:cNvCxnSpPr>
+          <p:nvPr/>
+        </p:nvCxnSpPr>
+        <p:spPr>
+          <a:xfrm flipH="1">
+            <a:off x="5233372" y="2574311"/>
+            <a:ext cx="2592198" cy="0"/>
+          </a:xfrm>
+          <a:prstGeom prst="straightConnector1">
+            <a:avLst/>
+          </a:prstGeom>
+          <a:ln w="38100">
+            <a:solidFill>
+              <a:srgbClr val="FF0000"/>
+            </a:solidFill>
+            <a:tailEnd type="triangle"/>
+          </a:ln>
+        </p:spPr>
+        <p:style>
+          <a:lnRef idx="1">
+            <a:schemeClr val="accent1"/>
+          </a:lnRef>
+          <a:fillRef idx="0">
+            <a:schemeClr val="accent1"/>
+          </a:fillRef>
+          <a:effectRef idx="0">
+            <a:schemeClr val="accent1"/>
+          </a:effectRef>
+          <a:fontRef idx="minor">
+            <a:schemeClr val="tx1"/>
+          </a:fontRef>
+        </p:style>
+      </p:cxnSp>
+      <p:sp>
+        <p:nvSpPr>
+          <p:cNvPr id="19" name="TextBox 18">
+            <a:extLst>
+              <a:ext uri="{FF2B5EF4-FFF2-40B4-BE49-F238E27FC236}">
+                <a16:creationId xmlns:a16="http://schemas.microsoft.com/office/drawing/2014/main" id="{EEDA4003-4177-E0AE-E755-618BB4A87110}"/>
+              </a:ext>
+            </a:extLst>
+          </p:cNvPr>
+          <p:cNvSpPr txBox="1"/>
+          <p:nvPr/>
+        </p:nvSpPr>
+        <p:spPr>
+          <a:xfrm>
+            <a:off x="5542437" y="2782669"/>
+            <a:ext cx="2156231" cy="646331"/>
+          </a:xfrm>
+          <a:prstGeom prst="rect">
+            <a:avLst/>
+          </a:prstGeom>
+          <a:noFill/>
+        </p:spPr>
+        <p:txBody>
+          <a:bodyPr wrap="none" rtlCol="0">
+            <a:spAutoFit/>
+          </a:bodyPr>
+          <a:lstStyle/>
+          <a:p>
+            <a:r>
+              <a:rPr lang="en-US" dirty="0"/>
+              <a:t>Master MAC Address</a:t>
+            </a:r>
+          </a:p>
+          <a:p>
+            <a:r>
+              <a:rPr lang="en-US" dirty="0"/>
+              <a:t>Pairing Count + 1</a:t>
+            </a:r>
+          </a:p>
+        </p:txBody>
+      </p:sp>
+      <p:sp>
+        <p:nvSpPr>
+          <p:cNvPr id="21" name="TextBox 20">
+            <a:extLst>
+              <a:ext uri="{FF2B5EF4-FFF2-40B4-BE49-F238E27FC236}">
+                <a16:creationId xmlns:a16="http://schemas.microsoft.com/office/drawing/2014/main" id="{C07508F0-F8F1-98BD-2880-101FD2566CFA}"/>
+              </a:ext>
+            </a:extLst>
+          </p:cNvPr>
+          <p:cNvSpPr txBox="1"/>
+          <p:nvPr/>
+        </p:nvSpPr>
+        <p:spPr>
+          <a:xfrm>
+            <a:off x="909857" y="3560037"/>
+            <a:ext cx="11117302" cy="3416320"/>
+          </a:xfrm>
+          <a:prstGeom prst="rect">
+            <a:avLst/>
+          </a:prstGeom>
+          <a:noFill/>
+        </p:spPr>
+        <p:txBody>
+          <a:bodyPr wrap="square" rtlCol="0">
+            <a:spAutoFit/>
+          </a:bodyPr>
+          <a:lstStyle/>
+          <a:p>
+            <a:pPr marL="342900" indent="-342900">
+              <a:buAutoNum type="arabicPeriod"/>
+            </a:pPr>
+            <a:r>
+              <a:rPr lang="en-US" dirty="0"/>
+              <a:t>ESP32_Master  </a:t>
+            </a:r>
+            <a:r>
+              <a:rPr lang="ko-KR" altLang="en-US" dirty="0"/>
+              <a:t>에서 </a:t>
+            </a:r>
+            <a:r>
+              <a:rPr lang="en-US" altLang="ko-KR" dirty="0"/>
+              <a:t>BroadCasting </a:t>
+            </a:r>
+            <a:r>
+              <a:rPr lang="ko-KR" altLang="en-US" dirty="0"/>
+              <a:t>한다</a:t>
+            </a:r>
+            <a:r>
+              <a:rPr lang="en-US" altLang="ko-KR" dirty="0"/>
+              <a:t>.</a:t>
+            </a:r>
+          </a:p>
+          <a:p>
+            <a:pPr marL="342900" indent="-342900">
+              <a:buAutoNum type="arabicPeriod"/>
+            </a:pPr>
+            <a:endParaRPr lang="en-US" altLang="ko-KR" dirty="0"/>
+          </a:p>
+          <a:p>
+            <a:pPr marL="342900" indent="-342900">
+              <a:buAutoNum type="arabicPeriod"/>
+            </a:pPr>
+            <a:r>
+              <a:rPr lang="ko-KR" altLang="en-US" dirty="0"/>
+              <a:t>연결하고자 하는 </a:t>
+            </a:r>
+            <a:r>
+              <a:rPr lang="en-US" altLang="ko-KR" dirty="0"/>
+              <a:t>ESP32_Slave</a:t>
+            </a:r>
+            <a:r>
+              <a:rPr lang="ko-KR" altLang="en-US" dirty="0"/>
+              <a:t>의 버튼을 누른다</a:t>
+            </a:r>
+            <a:r>
+              <a:rPr lang="en-US" altLang="ko-KR" dirty="0"/>
+              <a:t>.</a:t>
+            </a:r>
+          </a:p>
+          <a:p>
+            <a:pPr marL="342900" indent="-342900">
+              <a:buAutoNum type="arabicPeriod"/>
+            </a:pPr>
+            <a:endParaRPr lang="en-US" altLang="ko-KR" dirty="0"/>
+          </a:p>
+          <a:p>
+            <a:pPr marL="342900" indent="-342900">
+              <a:buAutoNum type="arabicPeriod"/>
+            </a:pPr>
+            <a:r>
+              <a:rPr lang="en-US" dirty="0"/>
+              <a:t>ESP32_Slave</a:t>
+            </a:r>
+            <a:r>
+              <a:rPr lang="ko-KR" altLang="en-US" dirty="0"/>
+              <a:t>는 </a:t>
+            </a:r>
+            <a:r>
+              <a:rPr lang="en-US" altLang="ko-KR" dirty="0"/>
+              <a:t>ESP32_Master </a:t>
+            </a:r>
+            <a:r>
+              <a:rPr lang="ko-KR" altLang="en-US" dirty="0"/>
+              <a:t>로 전달받은 </a:t>
+            </a:r>
+            <a:r>
+              <a:rPr lang="en-US" altLang="ko-KR" dirty="0"/>
+              <a:t>MAC Address </a:t>
+            </a:r>
+            <a:r>
+              <a:rPr lang="ko-KR" altLang="en-US" dirty="0"/>
+              <a:t>와 </a:t>
+            </a:r>
+            <a:r>
+              <a:rPr lang="en-US" altLang="ko-KR" dirty="0"/>
+              <a:t>Count</a:t>
+            </a:r>
+            <a:r>
+              <a:rPr lang="ko-KR" altLang="en-US" dirty="0"/>
+              <a:t>를 넘긴다</a:t>
+            </a:r>
+            <a:r>
+              <a:rPr lang="en-US" altLang="ko-KR" dirty="0"/>
+              <a:t>.</a:t>
+            </a:r>
+          </a:p>
+          <a:p>
+            <a:pPr marL="342900" indent="-342900">
+              <a:buAutoNum type="arabicPeriod"/>
+            </a:pPr>
+            <a:endParaRPr lang="en-US" dirty="0"/>
+          </a:p>
+          <a:p>
+            <a:pPr marL="342900" indent="-342900">
+              <a:buAutoNum type="arabicPeriod"/>
+            </a:pPr>
+            <a:r>
+              <a:rPr lang="en-US" dirty="0"/>
+              <a:t> ESP32_Master </a:t>
+            </a:r>
+            <a:r>
+              <a:rPr lang="ko-KR" altLang="en-US" dirty="0"/>
+              <a:t>가 보낸 데이터와 받은 데이터를 비교하여 일치하면</a:t>
+            </a:r>
+            <a:r>
+              <a:rPr lang="en-US" altLang="ko-KR" dirty="0"/>
+              <a:t> Broadcasting</a:t>
+            </a:r>
+            <a:r>
+              <a:rPr lang="ko-KR" altLang="en-US" dirty="0"/>
+              <a:t>을 중단한다</a:t>
+            </a:r>
+            <a:r>
+              <a:rPr lang="en-US" altLang="ko-KR" dirty="0"/>
+              <a:t>.</a:t>
+            </a:r>
+          </a:p>
+          <a:p>
+            <a:pPr marL="342900" indent="-342900">
+              <a:buAutoNum type="arabicPeriod"/>
+            </a:pPr>
+            <a:endParaRPr lang="en-US" altLang="ko-KR" dirty="0"/>
+          </a:p>
+          <a:p>
+            <a:pPr marL="342900" indent="-342900">
+              <a:buAutoNum type="arabicPeriod"/>
+            </a:pPr>
+            <a:r>
+              <a:rPr lang="ko-KR" altLang="en-US" dirty="0"/>
+              <a:t> </a:t>
+            </a:r>
+            <a:r>
+              <a:rPr lang="en-US" altLang="ko-KR" dirty="0"/>
+              <a:t>Jetson </a:t>
+            </a:r>
+            <a:r>
+              <a:rPr lang="ko-KR" altLang="en-US" dirty="0"/>
+              <a:t>에서 보낸 데이터를 </a:t>
+            </a:r>
+            <a:r>
+              <a:rPr lang="en-US" altLang="ko-KR" dirty="0"/>
+              <a:t>ESP32_Slave </a:t>
+            </a:r>
+            <a:r>
+              <a:rPr lang="ko-KR" altLang="en-US" dirty="0"/>
+              <a:t>로 </a:t>
+            </a:r>
+            <a:r>
+              <a:rPr lang="en-US" altLang="ko-KR" dirty="0"/>
+              <a:t>1 : 1 </a:t>
+            </a:r>
+            <a:r>
+              <a:rPr lang="ko-KR" altLang="en-US" dirty="0"/>
+              <a:t>통신한다</a:t>
+            </a:r>
+            <a:r>
+              <a:rPr lang="en-US" altLang="ko-KR" dirty="0"/>
+              <a:t>.</a:t>
+            </a:r>
+            <a:endParaRPr lang="en-US" dirty="0"/>
+          </a:p>
+          <a:p>
+            <a:pPr marL="342900" indent="-342900">
+              <a:buAutoNum type="arabicPeriod"/>
+            </a:pPr>
+            <a:endParaRPr lang="en-US" dirty="0"/>
+          </a:p>
+          <a:p>
+            <a:pPr marL="342900" indent="-342900">
+              <a:buAutoNum type="arabicPeriod"/>
+            </a:pPr>
+            <a:endParaRPr lang="en-US" dirty="0"/>
+          </a:p>
+          <a:p>
+            <a:pPr marL="342900" indent="-342900">
+              <a:buAutoNum type="arabicPeriod"/>
+            </a:pPr>
+            <a:endParaRPr lang="en-US" dirty="0"/>
+          </a:p>
+        </p:txBody>
+      </p:sp>
+    </p:spTree>
+    <p:extLst>
+      <p:ext uri="{BB962C8B-B14F-4D97-AF65-F5344CB8AC3E}">
+        <p14:creationId xmlns:p14="http://schemas.microsoft.com/office/powerpoint/2010/main" val="2479827141"/>
+      </p:ext>
+    </p:extLst>
+  </p:cSld>
+  <p:clrMapOvr>
+    <a:masterClrMapping/>
+  </p:clrMapOvr>
+</p:sld>
+</file>
+
 <file path=ppt/theme/theme1.xml><?xml version="1.0" encoding="utf-8"?>
 <a:theme xmlns:a="http://schemas.openxmlformats.org/drawingml/2006/main" name="Office 테마">
   <a:themeElements>
